--- a/Project 1 final.pptx
+++ b/Project 1 final.pptx
@@ -282,14 +282,6 @@
 </p:presentation>
 </file>
 
-<file path=ppt/revisionInfo.xml><?xml version="1.0" encoding="utf-8"?>
-<p1510:revInfo xmlns:a="http://schemas.openxmlformats.org/drawingml/2006/main" xmlns:r="http://schemas.openxmlformats.org/officeDocument/2006/relationships" xmlns:p1510="http://schemas.microsoft.com/office/powerpoint/2015/10/main">
-  <p1510:revLst>
-    <p1510:client id="{A17B0E85-8652-F842-A63D-DE66E64BB8DA}" v="1" dt="2021-11-20T17:45:56.464"/>
-  </p1510:revLst>
-</p1510:revInfo>
-</file>
-
 <file path=ppt/notesMasters/notesMaster1.xml><?xml version="1.0" encoding="utf-8"?>
 <p:notesMaster xmlns:a="http://schemas.openxmlformats.org/drawingml/2006/main" xmlns:r="http://schemas.openxmlformats.org/officeDocument/2006/relationships" xmlns:p="http://schemas.openxmlformats.org/presentationml/2006/main">
   <p:cSld>
@@ -932,7 +924,7 @@
               </a:spcAft>
               <a:buNone/>
             </a:pPr>
-            <a:endParaRPr/>
+            <a:endParaRPr dirty="0"/>
           </a:p>
         </p:txBody>
       </p:sp>
@@ -7111,7 +7103,7 @@
         </p:blipFill>
         <p:spPr>
           <a:xfrm>
-            <a:off x="4817813" y="1836008"/>
+            <a:off x="4817813" y="2132955"/>
             <a:ext cx="8487052" cy="2206589"/>
           </a:xfrm>
           <a:prstGeom prst="rect">
@@ -7141,7 +7133,7 @@
         </p:blipFill>
         <p:spPr>
           <a:xfrm>
-            <a:off x="0" y="1450689"/>
+            <a:off x="0" y="1940296"/>
             <a:ext cx="4817813" cy="2591908"/>
           </a:xfrm>
           <a:prstGeom prst="rect">
@@ -7170,7 +7162,7 @@
         </p:blipFill>
         <p:spPr>
           <a:xfrm>
-            <a:off x="0" y="611296"/>
+            <a:off x="0" y="736388"/>
             <a:ext cx="8487052" cy="820815"/>
           </a:xfrm>
           <a:prstGeom prst="rect">
@@ -7317,8 +7309,8 @@
         </p:nvSpPr>
         <p:spPr>
           <a:xfrm>
-            <a:off x="251012" y="349256"/>
-            <a:ext cx="5179623" cy="307777"/>
+            <a:off x="251012" y="248771"/>
+            <a:ext cx="5189241" cy="307777"/>
           </a:xfrm>
           <a:prstGeom prst="rect">
             <a:avLst/>
@@ -7332,9 +7324,46 @@
           <a:lstStyle/>
           <a:p>
             <a:r>
-              <a:rPr lang="en-US" dirty="0"/>
-              <a:t>USA Average and Temperature is rapidly increasing since 1951</a:t>
+              <a:rPr lang="en-US" b="1" dirty="0"/>
+              <a:t>USA Average Temperature is rapidly increasing since 1961</a:t>
             </a:r>
+          </a:p>
+        </p:txBody>
+      </p:sp>
+      <p:sp>
+        <p:nvSpPr>
+          <p:cNvPr id="5" name="TextBox 4">
+            <a:extLst>
+              <a:ext uri="{FF2B5EF4-FFF2-40B4-BE49-F238E27FC236}">
+                <a16:creationId xmlns:a16="http://schemas.microsoft.com/office/drawing/2014/main" id="{B8E96D0F-F6F9-5342-8FF2-7D27BA495BEF}"/>
+              </a:ext>
+            </a:extLst>
+          </p:cNvPr>
+          <p:cNvSpPr txBox="1"/>
+          <p:nvPr/>
+        </p:nvSpPr>
+        <p:spPr>
+          <a:xfrm>
+            <a:off x="251012" y="2187388"/>
+            <a:ext cx="3738282" cy="2707341"/>
+          </a:xfrm>
+          <a:prstGeom prst="rect">
+            <a:avLst/>
+          </a:prstGeom>
+          <a:noFill/>
+          <a:ln>
+            <a:solidFill>
+              <a:schemeClr val="accent5"/>
+            </a:solidFill>
+          </a:ln>
+        </p:spPr>
+        <p:txBody>
+          <a:bodyPr wrap="square" rtlCol="0">
+            <a:spAutoFit/>
+          </a:bodyPr>
+          <a:lstStyle/>
+          <a:p>
+            <a:endParaRPr lang="en-US" dirty="0"/>
           </a:p>
         </p:txBody>
       </p:sp>
@@ -7557,6 +7586,43 @@
           </a:p>
         </p:txBody>
       </p:sp>
+      <p:sp>
+        <p:nvSpPr>
+          <p:cNvPr id="5" name="TextBox 4">
+            <a:extLst>
+              <a:ext uri="{FF2B5EF4-FFF2-40B4-BE49-F238E27FC236}">
+                <a16:creationId xmlns:a16="http://schemas.microsoft.com/office/drawing/2014/main" id="{9FCBEAC4-90E8-AC46-B440-CFC8DEBC85C9}"/>
+              </a:ext>
+            </a:extLst>
+          </p:cNvPr>
+          <p:cNvSpPr txBox="1"/>
+          <p:nvPr/>
+        </p:nvSpPr>
+        <p:spPr>
+          <a:xfrm>
+            <a:off x="1676399" y="2134870"/>
+            <a:ext cx="1488142" cy="307777"/>
+          </a:xfrm>
+          <a:prstGeom prst="rect">
+            <a:avLst/>
+          </a:prstGeom>
+          <a:noFill/>
+          <a:ln w="15875">
+            <a:solidFill>
+              <a:schemeClr val="accent5"/>
+            </a:solidFill>
+          </a:ln>
+        </p:spPr>
+        <p:txBody>
+          <a:bodyPr wrap="square" rtlCol="0">
+            <a:spAutoFit/>
+          </a:bodyPr>
+          <a:lstStyle/>
+          <a:p>
+            <a:endParaRPr lang="en-US" dirty="0"/>
+          </a:p>
+        </p:txBody>
+      </p:sp>
     </p:spTree>
     <p:extLst>
       <p:ext uri="{BB962C8B-B14F-4D97-AF65-F5344CB8AC3E}">
@@ -7602,7 +7668,7 @@
         <p:spPr>
           <a:xfrm>
             <a:off x="421342" y="295835"/>
-            <a:ext cx="1120820" cy="307777"/>
+            <a:ext cx="1505540" cy="369332"/>
           </a:xfrm>
           <a:prstGeom prst="rect">
             <a:avLst/>
@@ -7616,7 +7682,7 @@
           <a:lstStyle/>
           <a:p>
             <a:r>
-              <a:rPr lang="en-US" dirty="0"/>
+              <a:rPr lang="en-US" sz="1800" b="1" dirty="0"/>
               <a:t>Conclusion </a:t>
             </a:r>
           </a:p>
@@ -7650,13 +7716,22 @@
           <a:lstStyle/>
           <a:p>
             <a:r>
-              <a:rPr lang="en-US" dirty="0">
+              <a:rPr lang="en-US" b="1" dirty="0">
                 <a:solidFill>
                   <a:srgbClr val="24292F"/>
                 </a:solidFill>
                 <a:latin typeface="-apple-system"/>
               </a:rPr>
-              <a:t>1. Time vs Temperature: All three countries showed in increase in temperature over the years. All three graphs produced significant </a:t>
+              <a:t>1. Time vs Temperature</a:t>
+            </a:r>
+            <a:r>
+              <a:rPr lang="en-US" dirty="0">
+                <a:solidFill>
+                  <a:srgbClr val="24292F"/>
+                </a:solidFill>
+                <a:latin typeface="-apple-system"/>
+              </a:rPr>
+              <a:t>: All three countries showed in increase in temperature over the years. All three graphs produced significant </a:t>
             </a:r>
             <a:r>
               <a:rPr lang="en-US" dirty="0" err="1">
@@ -7705,13 +7780,40 @@
           </a:p>
           <a:p>
             <a:r>
-              <a:rPr lang="en-US" dirty="0">
+              <a:rPr lang="en-US" b="1" dirty="0">
                 <a:solidFill>
                   <a:srgbClr val="24292F"/>
                 </a:solidFill>
                 <a:latin typeface="-apple-system"/>
               </a:rPr>
-              <a:t>2. Time vs precipitation: Precipitation patters did not seem to change over time. The comparison for each country produced a weak </a:t>
+              <a:t>2.</a:t>
+            </a:r>
+            <a:r>
+              <a:rPr lang="en-US" dirty="0">
+                <a:solidFill>
+                  <a:srgbClr val="24292F"/>
+                </a:solidFill>
+                <a:latin typeface="-apple-system"/>
+              </a:rPr>
+              <a:t> </a:t>
+            </a:r>
+            <a:r>
+              <a:rPr lang="en-US" b="1" dirty="0">
+                <a:solidFill>
+                  <a:srgbClr val="24292F"/>
+                </a:solidFill>
+                <a:latin typeface="-apple-system"/>
+              </a:rPr>
+              <a:t>Time vs precipitation</a:t>
+            </a:r>
+            <a:r>
+              <a:rPr lang="en-US" dirty="0">
+                <a:solidFill>
+                  <a:srgbClr val="24292F"/>
+                </a:solidFill>
+                <a:latin typeface="-apple-system"/>
+              </a:rPr>
+              <a:t>: Precipitation patters did not seem to change over time. The comparison for each country produced a weak </a:t>
             </a:r>
             <a:r>
               <a:rPr lang="en-US" dirty="0" err="1">
@@ -7742,13 +7844,22 @@
           </a:p>
           <a:p>
             <a:r>
-              <a:rPr lang="en-US" dirty="0">
+              <a:rPr lang="en-US" b="1" dirty="0">
                 <a:solidFill>
                   <a:srgbClr val="24292F"/>
                 </a:solidFill>
                 <a:latin typeface="-apple-system"/>
               </a:rPr>
-              <a:t>3. Temperature vs precipitation:  There is no correlation between average temperature and average precipitation. Interestingly, the average Tm change rate is climbing rapidly since 1951. There is a week correlation between Max Temp and Max Precipitation in USA </a:t>
+              <a:t>3. Temperature vs precipitation</a:t>
+            </a:r>
+            <a:r>
+              <a:rPr lang="en-US" dirty="0">
+                <a:solidFill>
+                  <a:srgbClr val="24292F"/>
+                </a:solidFill>
+                <a:latin typeface="-apple-system"/>
+              </a:rPr>
+              <a:t>:  There is no correlation between average temperature and average precipitation. Interestingly, the average Tm change rate is climbing rapidly since 1961. There is a week correlation between Max Temp and Max Precipitation in USA from 1901 to 2012.</a:t>
             </a:r>
           </a:p>
         </p:txBody>
@@ -10309,8 +10420,8 @@
         </p:blipFill>
         <p:spPr>
           <a:xfrm>
-            <a:off x="38386" y="452324"/>
-            <a:ext cx="3453414" cy="2302276"/>
+            <a:off x="92012" y="279742"/>
+            <a:ext cx="3682845" cy="2455230"/>
           </a:xfrm>
           <a:prstGeom prst="rect">
             <a:avLst/>
@@ -10339,38 +10450,8 @@
         </p:blipFill>
         <p:spPr>
           <a:xfrm>
-            <a:off x="207062" y="2888664"/>
-            <a:ext cx="3116062" cy="2077375"/>
-          </a:xfrm>
-          <a:prstGeom prst="rect">
-            <a:avLst/>
-          </a:prstGeom>
-        </p:spPr>
-      </p:pic>
-      <p:pic>
-        <p:nvPicPr>
-          <p:cNvPr id="5" name="Picture 4" descr="Text&#10;&#10;Description automatically generated">
-            <a:extLst>
-              <a:ext uri="{FF2B5EF4-FFF2-40B4-BE49-F238E27FC236}">
-                <a16:creationId xmlns:a16="http://schemas.microsoft.com/office/drawing/2014/main" id="{D4FA8DAF-2D50-904A-847D-A6FDE5E90495}"/>
-              </a:ext>
-            </a:extLst>
-          </p:cNvPr>
-          <p:cNvPicPr>
-            <a:picLocks noChangeAspect="1"/>
-          </p:cNvPicPr>
-          <p:nvPr/>
-        </p:nvPicPr>
-        <p:blipFill>
-          <a:blip r:embed="rId4"/>
-          <a:stretch>
-            <a:fillRect/>
-          </a:stretch>
-        </p:blipFill>
-        <p:spPr>
-          <a:xfrm>
-            <a:off x="3420190" y="2841223"/>
-            <a:ext cx="3258383" cy="2172255"/>
+            <a:off x="195668" y="2636906"/>
+            <a:ext cx="3579189" cy="2386127"/>
           </a:xfrm>
           <a:prstGeom prst="rect">
             <a:avLst/>
@@ -10391,7 +10472,7 @@
         </p:nvSpPr>
         <p:spPr>
           <a:xfrm>
-            <a:off x="157098" y="133073"/>
+            <a:off x="157098" y="0"/>
             <a:ext cx="3166026" cy="338554"/>
           </a:xfrm>
           <a:prstGeom prst="rect">
@@ -10427,6 +10508,36 @@
           <p:nvPr/>
         </p:nvPicPr>
         <p:blipFill>
+          <a:blip r:embed="rId4"/>
+          <a:stretch>
+            <a:fillRect/>
+          </a:stretch>
+        </p:blipFill>
+        <p:spPr>
+          <a:xfrm>
+            <a:off x="3939981" y="177461"/>
+            <a:ext cx="3761794" cy="2081999"/>
+          </a:xfrm>
+          <a:prstGeom prst="rect">
+            <a:avLst/>
+          </a:prstGeom>
+        </p:spPr>
+      </p:pic>
+      <p:pic>
+        <p:nvPicPr>
+          <p:cNvPr id="11" name="Picture 10" descr="Text&#10;&#10;Description automatically generated">
+            <a:extLst>
+              <a:ext uri="{FF2B5EF4-FFF2-40B4-BE49-F238E27FC236}">
+                <a16:creationId xmlns:a16="http://schemas.microsoft.com/office/drawing/2014/main" id="{25286BB5-DB33-BB48-8D03-45A8539FF8DF}"/>
+              </a:ext>
+            </a:extLst>
+          </p:cNvPr>
+          <p:cNvPicPr>
+            <a:picLocks noChangeAspect="1"/>
+          </p:cNvPicPr>
+          <p:nvPr/>
+        </p:nvPicPr>
+        <p:blipFill>
           <a:blip r:embed="rId5"/>
           <a:stretch>
             <a:fillRect/>
@@ -10434,8 +10545,8 @@
         </p:blipFill>
         <p:spPr>
           <a:xfrm>
-            <a:off x="3491800" y="672601"/>
-            <a:ext cx="3761794" cy="2081999"/>
+            <a:off x="3878513" y="2683224"/>
+            <a:ext cx="3579191" cy="2386127"/>
           </a:xfrm>
           <a:prstGeom prst="rect">
             <a:avLst/>
@@ -10504,36 +10615,6 @@
       </p:pic>
       <p:pic>
         <p:nvPicPr>
-          <p:cNvPr id="10" name="Picture 9" descr="Chart, scatter chart&#10;&#10;Description automatically generated">
-            <a:extLst>
-              <a:ext uri="{FF2B5EF4-FFF2-40B4-BE49-F238E27FC236}">
-                <a16:creationId xmlns:a16="http://schemas.microsoft.com/office/drawing/2014/main" id="{B1B0F517-B21E-5E49-B553-03CD55484D91}"/>
-              </a:ext>
-            </a:extLst>
-          </p:cNvPr>
-          <p:cNvPicPr>
-            <a:picLocks noChangeAspect="1"/>
-          </p:cNvPicPr>
-          <p:nvPr/>
-        </p:nvPicPr>
-        <p:blipFill>
-          <a:blip r:embed="rId3"/>
-          <a:stretch>
-            <a:fillRect/>
-          </a:stretch>
-        </p:blipFill>
-        <p:spPr>
-          <a:xfrm>
-            <a:off x="3687832" y="2743612"/>
-            <a:ext cx="3319357" cy="2579125"/>
-          </a:xfrm>
-          <a:prstGeom prst="rect">
-            <a:avLst/>
-          </a:prstGeom>
-        </p:spPr>
-      </p:pic>
-      <p:pic>
-        <p:nvPicPr>
           <p:cNvPr id="12" name="Picture 11" descr="Chart, scatter chart&#10;&#10;Description automatically generated">
             <a:extLst>
               <a:ext uri="{FF2B5EF4-FFF2-40B4-BE49-F238E27FC236}">
@@ -10546,16 +10627,15 @@
           </p:cNvPicPr>
           <p:nvPr/>
         </p:nvPicPr>
-        <p:blipFill>
-          <a:blip r:embed="rId4"/>
-          <a:stretch>
-            <a:fillRect/>
-          </a:stretch>
+        <p:blipFill rotWithShape="1">
+          <a:blip r:embed="rId3"/>
+          <a:srcRect t="6168"/>
+          <a:stretch/>
         </p:blipFill>
         <p:spPr>
           <a:xfrm>
-            <a:off x="97207" y="2770246"/>
-            <a:ext cx="3220025" cy="2434653"/>
+            <a:off x="180944" y="2816850"/>
+            <a:ext cx="3220025" cy="2284489"/>
           </a:xfrm>
           <a:prstGeom prst="rect">
             <a:avLst/>
@@ -10576,16 +10656,15 @@
           </p:cNvPicPr>
           <p:nvPr/>
         </p:nvPicPr>
-        <p:blipFill>
-          <a:blip r:embed="rId5"/>
-          <a:stretch>
-            <a:fillRect/>
-          </a:stretch>
+        <p:blipFill rotWithShape="1">
+          <a:blip r:embed="rId4"/>
+          <a:srcRect t="10675"/>
+          <a:stretch/>
         </p:blipFill>
         <p:spPr>
           <a:xfrm>
-            <a:off x="180945" y="386401"/>
-            <a:ext cx="3052550" cy="2425209"/>
+            <a:off x="180944" y="500368"/>
+            <a:ext cx="3052550" cy="2166318"/>
           </a:xfrm>
           <a:prstGeom prst="rect">
             <a:avLst/>
@@ -10606,8 +10685,8 @@
         </p:nvSpPr>
         <p:spPr>
           <a:xfrm>
-            <a:off x="222895" y="78624"/>
-            <a:ext cx="6487673" cy="307777"/>
+            <a:off x="102325" y="2923"/>
+            <a:ext cx="8574783" cy="307777"/>
           </a:xfrm>
           <a:prstGeom prst="rect">
             <a:avLst/>
@@ -10622,7 +10701,219 @@
           <a:p>
             <a:r>
               <a:rPr lang="en-US" b="1" dirty="0"/>
-              <a:t>The correlation and regression analysis for Temperature and Precipitation</a:t>
+              <a:t>The correlation and linear regression analysis for Temperature and Precipitation for three countries</a:t>
+            </a:r>
+          </a:p>
+        </p:txBody>
+      </p:sp>
+      <p:pic>
+        <p:nvPicPr>
+          <p:cNvPr id="18" name="Picture 17" descr="Chart, scatter chart&#10;&#10;Description automatically generated">
+            <a:extLst>
+              <a:ext uri="{FF2B5EF4-FFF2-40B4-BE49-F238E27FC236}">
+                <a16:creationId xmlns:a16="http://schemas.microsoft.com/office/drawing/2014/main" id="{54DB7223-8CDB-5643-BE78-6AEFF68F08AC}"/>
+              </a:ext>
+            </a:extLst>
+          </p:cNvPr>
+          <p:cNvPicPr>
+            <a:picLocks noChangeAspect="1"/>
+          </p:cNvPicPr>
+          <p:nvPr/>
+        </p:nvPicPr>
+        <p:blipFill>
+          <a:blip r:embed="rId5"/>
+          <a:stretch>
+            <a:fillRect/>
+          </a:stretch>
+        </p:blipFill>
+        <p:spPr>
+          <a:xfrm>
+            <a:off x="3608076" y="2331011"/>
+            <a:ext cx="3651980" cy="2434653"/>
+          </a:xfrm>
+          <a:prstGeom prst="rect">
+            <a:avLst/>
+          </a:prstGeom>
+        </p:spPr>
+      </p:pic>
+      <p:sp>
+        <p:nvSpPr>
+          <p:cNvPr id="19" name="Rectangle 18">
+            <a:extLst>
+              <a:ext uri="{FF2B5EF4-FFF2-40B4-BE49-F238E27FC236}">
+                <a16:creationId xmlns:a16="http://schemas.microsoft.com/office/drawing/2014/main" id="{C6C05F7D-21A7-BC4F-B131-DB0D24A45C63}"/>
+              </a:ext>
+            </a:extLst>
+          </p:cNvPr>
+          <p:cNvSpPr/>
+          <p:nvPr/>
+        </p:nvSpPr>
+        <p:spPr>
+          <a:xfrm>
+            <a:off x="4280710" y="2207901"/>
+            <a:ext cx="2630848" cy="246221"/>
+          </a:xfrm>
+          <a:prstGeom prst="rect">
+            <a:avLst/>
+          </a:prstGeom>
+        </p:spPr>
+        <p:txBody>
+          <a:bodyPr wrap="none">
+            <a:spAutoFit/>
+          </a:bodyPr>
+          <a:lstStyle/>
+          <a:p>
+            <a:r>
+              <a:rPr lang="en-US" sz="1000" dirty="0"/>
+              <a:t>The r-squared is: </a:t>
+            </a:r>
+            <a:r>
+              <a:rPr lang="en-US" sz="1000" dirty="0">
+                <a:solidFill>
+                  <a:srgbClr val="FF0000"/>
+                </a:solidFill>
+              </a:rPr>
+              <a:t>0.0008969851544833486</a:t>
+            </a:r>
+          </a:p>
+        </p:txBody>
+      </p:sp>
+      <p:sp>
+        <p:nvSpPr>
+          <p:cNvPr id="22" name="Rectangle 21">
+            <a:extLst>
+              <a:ext uri="{FF2B5EF4-FFF2-40B4-BE49-F238E27FC236}">
+                <a16:creationId xmlns:a16="http://schemas.microsoft.com/office/drawing/2014/main" id="{C9300F98-4477-6841-A9A2-5FEEB35A0BA5}"/>
+              </a:ext>
+            </a:extLst>
+          </p:cNvPr>
+          <p:cNvSpPr/>
+          <p:nvPr/>
+        </p:nvSpPr>
+        <p:spPr>
+          <a:xfrm>
+            <a:off x="649618" y="302176"/>
+            <a:ext cx="2560316" cy="246221"/>
+          </a:xfrm>
+          <a:prstGeom prst="rect">
+            <a:avLst/>
+          </a:prstGeom>
+        </p:spPr>
+        <p:txBody>
+          <a:bodyPr wrap="none">
+            <a:spAutoFit/>
+          </a:bodyPr>
+          <a:lstStyle/>
+          <a:p>
+            <a:r>
+              <a:rPr lang="en-US" sz="1000" dirty="0"/>
+              <a:t>The r-squared is: </a:t>
+            </a:r>
+            <a:r>
+              <a:rPr lang="en-US" sz="1000" dirty="0">
+                <a:solidFill>
+                  <a:srgbClr val="FF0000"/>
+                </a:solidFill>
+              </a:rPr>
+              <a:t>0.029497464029031233</a:t>
+            </a:r>
+          </a:p>
+        </p:txBody>
+      </p:sp>
+      <p:sp>
+        <p:nvSpPr>
+          <p:cNvPr id="23" name="Rectangle 22">
+            <a:extLst>
+              <a:ext uri="{FF2B5EF4-FFF2-40B4-BE49-F238E27FC236}">
+                <a16:creationId xmlns:a16="http://schemas.microsoft.com/office/drawing/2014/main" id="{A4CB8A9D-C83B-F245-A35A-26839609B2C9}"/>
+              </a:ext>
+            </a:extLst>
+          </p:cNvPr>
+          <p:cNvSpPr/>
+          <p:nvPr/>
+        </p:nvSpPr>
+        <p:spPr>
+          <a:xfrm>
+            <a:off x="649618" y="2667650"/>
+            <a:ext cx="2489784" cy="400110"/>
+          </a:xfrm>
+          <a:prstGeom prst="rect">
+            <a:avLst/>
+          </a:prstGeom>
+        </p:spPr>
+        <p:txBody>
+          <a:bodyPr wrap="none">
+            <a:spAutoFit/>
+          </a:bodyPr>
+          <a:lstStyle/>
+          <a:p>
+            <a:r>
+              <a:rPr lang="en-US" sz="1000" dirty="0"/>
+              <a:t>The r-squared is: </a:t>
+            </a:r>
+            <a:r>
+              <a:rPr lang="en-US" sz="1000" dirty="0">
+                <a:solidFill>
+                  <a:srgbClr val="FF0000"/>
+                </a:solidFill>
+              </a:rPr>
+              <a:t>0.03258457785632551</a:t>
+            </a:r>
+          </a:p>
+          <a:p>
+            <a:endParaRPr lang="en-US" sz="1000" dirty="0">
+              <a:solidFill>
+                <a:srgbClr val="FF0000"/>
+              </a:solidFill>
+            </a:endParaRPr>
+          </a:p>
+        </p:txBody>
+      </p:sp>
+      <p:sp>
+        <p:nvSpPr>
+          <p:cNvPr id="24" name="TextBox 23">
+            <a:extLst>
+              <a:ext uri="{FF2B5EF4-FFF2-40B4-BE49-F238E27FC236}">
+                <a16:creationId xmlns:a16="http://schemas.microsoft.com/office/drawing/2014/main" id="{D9150ED2-ECB9-6D47-9137-8D1ACEC64030}"/>
+              </a:ext>
+            </a:extLst>
+          </p:cNvPr>
+          <p:cNvSpPr txBox="1"/>
+          <p:nvPr/>
+        </p:nvSpPr>
+        <p:spPr>
+          <a:xfrm>
+            <a:off x="5596134" y="4643132"/>
+            <a:ext cx="3395481" cy="523220"/>
+          </a:xfrm>
+          <a:prstGeom prst="rect">
+            <a:avLst/>
+          </a:prstGeom>
+          <a:noFill/>
+        </p:spPr>
+        <p:txBody>
+          <a:bodyPr wrap="none" rtlCol="0">
+            <a:spAutoFit/>
+          </a:bodyPr>
+          <a:lstStyle/>
+          <a:p>
+            <a:r>
+              <a:rPr lang="en-US" dirty="0">
+                <a:solidFill>
+                  <a:srgbClr val="FF0000"/>
+                </a:solidFill>
+              </a:rPr>
+              <a:t>1.Temp &amp; Pre is Biome specific </a:t>
+            </a:r>
+          </a:p>
+          <a:p>
+            <a:r>
+              <a:rPr lang="en-US" dirty="0">
+                <a:solidFill>
+                  <a:srgbClr val="FF0000"/>
+                </a:solidFill>
+              </a:rPr>
+              <a:t>2.The rate of change is more informative</a:t>
             </a:r>
           </a:p>
         </p:txBody>
